--- a/3-VisualStudio2017/0-GtooPlayer/播放器原型图.pptx
+++ b/3-VisualStudio2017/0-GtooPlayer/播放器原型图.pptx
@@ -8,6 +8,13 @@
     <p:sldId id="257" r:id="rId2"/>
     <p:sldId id="258" r:id="rId3"/>
     <p:sldId id="259" r:id="rId4"/>
+    <p:sldId id="260" r:id="rId5"/>
+    <p:sldId id="261" r:id="rId6"/>
+    <p:sldId id="262" r:id="rId7"/>
+    <p:sldId id="263" r:id="rId8"/>
+    <p:sldId id="264" r:id="rId9"/>
+    <p:sldId id="265" r:id="rId10"/>
+    <p:sldId id="266" r:id="rId11"/>
   </p:sldIdLst>
   <p:sldSz cx="12192000" cy="6858000"/>
   <p:notesSz cx="6858000" cy="9144000"/>
@@ -106,6 +113,11 @@
       </a:defRPr>
     </a:lvl9pPr>
   </p:defaultTextStyle>
+  <p:extLst>
+    <p:ext uri="{EFAFB233-063F-42B5-8137-9DF3F51BA10A}">
+      <p15:sldGuideLst xmlns:p15="http://schemas.microsoft.com/office/powerpoint/2012/main"/>
+    </p:ext>
+  </p:extLst>
 </p:presentation>
 </file>
 
@@ -3372,6 +3384,36 @@
 </p:sld>
 </file>
 
+<file path=ppt/slides/slide10.xml><?xml version="1.0" encoding="utf-8"?>
+<p:sld xmlns:a="http://schemas.openxmlformats.org/drawingml/2006/main" xmlns:r="http://schemas.openxmlformats.org/officeDocument/2006/relationships" xmlns:p="http://schemas.openxmlformats.org/presentationml/2006/main">
+  <p:cSld>
+    <p:spTree>
+      <p:nvGrpSpPr>
+        <p:cNvPr id="1" name=""/>
+        <p:cNvGrpSpPr/>
+        <p:nvPr/>
+      </p:nvGrpSpPr>
+      <p:grpSpPr>
+        <a:xfrm>
+          <a:off x="0" y="0"/>
+          <a:ext cx="0" cy="0"/>
+          <a:chOff x="0" y="0"/>
+          <a:chExt cx="0" cy="0"/>
+        </a:xfrm>
+      </p:grpSpPr>
+    </p:spTree>
+    <p:extLst>
+      <p:ext uri="{BB962C8B-B14F-4D97-AF65-F5344CB8AC3E}">
+        <p14:creationId xmlns:p14="http://schemas.microsoft.com/office/powerpoint/2010/main" val="2884203434"/>
+      </p:ext>
+    </p:extLst>
+  </p:cSld>
+  <p:clrMapOvr>
+    <a:masterClrMapping/>
+  </p:clrMapOvr>
+</p:sld>
+</file>
+
 <file path=ppt/slides/slide2.xml><?xml version="1.0" encoding="utf-8"?>
 <p:sld xmlns:a="http://schemas.openxmlformats.org/drawingml/2006/main" xmlns:r="http://schemas.openxmlformats.org/officeDocument/2006/relationships" xmlns:p="http://schemas.openxmlformats.org/presentationml/2006/main">
   <p:cSld>
@@ -3495,6 +3537,306 @@
     <p:extLst>
       <p:ext uri="{BB962C8B-B14F-4D97-AF65-F5344CB8AC3E}">
         <p14:creationId xmlns:p14="http://schemas.microsoft.com/office/powerpoint/2010/main" val="1754105614"/>
+      </p:ext>
+    </p:extLst>
+  </p:cSld>
+  <p:clrMapOvr>
+    <a:masterClrMapping/>
+  </p:clrMapOvr>
+</p:sld>
+</file>
+
+<file path=ppt/slides/slide4.xml><?xml version="1.0" encoding="utf-8"?>
+<p:sld xmlns:a="http://schemas.openxmlformats.org/drawingml/2006/main" xmlns:r="http://schemas.openxmlformats.org/officeDocument/2006/relationships" xmlns:p="http://schemas.openxmlformats.org/presentationml/2006/main">
+  <p:cSld>
+    <p:spTree>
+      <p:nvGrpSpPr>
+        <p:cNvPr id="1" name=""/>
+        <p:cNvGrpSpPr/>
+        <p:nvPr/>
+      </p:nvGrpSpPr>
+      <p:grpSpPr>
+        <a:xfrm>
+          <a:off x="0" y="0"/>
+          <a:ext cx="0" cy="0"/>
+          <a:chOff x="0" y="0"/>
+          <a:chExt cx="0" cy="0"/>
+        </a:xfrm>
+      </p:grpSpPr>
+      <p:pic>
+        <p:nvPicPr>
+          <p:cNvPr id="2" name="图片 1">
+            <a:extLst>
+              <a:ext uri="{FF2B5EF4-FFF2-40B4-BE49-F238E27FC236}">
+                <a16:creationId xmlns:a16="http://schemas.microsoft.com/office/drawing/2014/main" id="{4421964A-1430-E6E4-67AA-4681A987EAB8}"/>
+              </a:ext>
+            </a:extLst>
+          </p:cNvPr>
+          <p:cNvPicPr>
+            <a:picLocks noChangeAspect="1"/>
+          </p:cNvPicPr>
+          <p:nvPr/>
+        </p:nvPicPr>
+        <p:blipFill>
+          <a:blip r:embed="rId2"/>
+          <a:stretch>
+            <a:fillRect/>
+          </a:stretch>
+        </p:blipFill>
+        <p:spPr>
+          <a:xfrm>
+            <a:off x="0" y="83559"/>
+            <a:ext cx="12192000" cy="6690881"/>
+          </a:xfrm>
+          <a:prstGeom prst="rect">
+            <a:avLst/>
+          </a:prstGeom>
+        </p:spPr>
+      </p:pic>
+    </p:spTree>
+    <p:extLst>
+      <p:ext uri="{BB962C8B-B14F-4D97-AF65-F5344CB8AC3E}">
+        <p14:creationId xmlns:p14="http://schemas.microsoft.com/office/powerpoint/2010/main" val="1571359191"/>
+      </p:ext>
+    </p:extLst>
+  </p:cSld>
+  <p:clrMapOvr>
+    <a:masterClrMapping/>
+  </p:clrMapOvr>
+</p:sld>
+</file>
+
+<file path=ppt/slides/slide5.xml><?xml version="1.0" encoding="utf-8"?>
+<p:sld xmlns:a="http://schemas.openxmlformats.org/drawingml/2006/main" xmlns:r="http://schemas.openxmlformats.org/officeDocument/2006/relationships" xmlns:p="http://schemas.openxmlformats.org/presentationml/2006/main">
+  <p:cSld>
+    <p:spTree>
+      <p:nvGrpSpPr>
+        <p:cNvPr id="1" name=""/>
+        <p:cNvGrpSpPr/>
+        <p:nvPr/>
+      </p:nvGrpSpPr>
+      <p:grpSpPr>
+        <a:xfrm>
+          <a:off x="0" y="0"/>
+          <a:ext cx="0" cy="0"/>
+          <a:chOff x="0" y="0"/>
+          <a:chExt cx="0" cy="0"/>
+        </a:xfrm>
+      </p:grpSpPr>
+      <p:pic>
+        <p:nvPicPr>
+          <p:cNvPr id="4" name="图片 3">
+            <a:extLst>
+              <a:ext uri="{FF2B5EF4-FFF2-40B4-BE49-F238E27FC236}">
+                <a16:creationId xmlns:a16="http://schemas.microsoft.com/office/drawing/2014/main" id="{213A1C69-34D7-7674-6250-5532058F3435}"/>
+              </a:ext>
+            </a:extLst>
+          </p:cNvPr>
+          <p:cNvPicPr>
+            <a:picLocks noChangeAspect="1"/>
+          </p:cNvPicPr>
+          <p:nvPr/>
+        </p:nvPicPr>
+        <p:blipFill>
+          <a:blip r:embed="rId2"/>
+          <a:stretch>
+            <a:fillRect/>
+          </a:stretch>
+        </p:blipFill>
+        <p:spPr>
+          <a:xfrm>
+            <a:off x="0" y="76200"/>
+            <a:ext cx="12192000" cy="6705600"/>
+          </a:xfrm>
+          <a:prstGeom prst="rect">
+            <a:avLst/>
+          </a:prstGeom>
+        </p:spPr>
+      </p:pic>
+    </p:spTree>
+    <p:extLst>
+      <p:ext uri="{BB962C8B-B14F-4D97-AF65-F5344CB8AC3E}">
+        <p14:creationId xmlns:p14="http://schemas.microsoft.com/office/powerpoint/2010/main" val="932447875"/>
+      </p:ext>
+    </p:extLst>
+  </p:cSld>
+  <p:clrMapOvr>
+    <a:masterClrMapping/>
+  </p:clrMapOvr>
+</p:sld>
+</file>
+
+<file path=ppt/slides/slide6.xml><?xml version="1.0" encoding="utf-8"?>
+<p:sld xmlns:a="http://schemas.openxmlformats.org/drawingml/2006/main" xmlns:r="http://schemas.openxmlformats.org/officeDocument/2006/relationships" xmlns:p="http://schemas.openxmlformats.org/presentationml/2006/main">
+  <p:cSld>
+    <p:spTree>
+      <p:nvGrpSpPr>
+        <p:cNvPr id="1" name=""/>
+        <p:cNvGrpSpPr/>
+        <p:nvPr/>
+      </p:nvGrpSpPr>
+      <p:grpSpPr>
+        <a:xfrm>
+          <a:off x="0" y="0"/>
+          <a:ext cx="0" cy="0"/>
+          <a:chOff x="0" y="0"/>
+          <a:chExt cx="0" cy="0"/>
+        </a:xfrm>
+      </p:grpSpPr>
+      <p:pic>
+        <p:nvPicPr>
+          <p:cNvPr id="2" name="图片 1">
+            <a:extLst>
+              <a:ext uri="{FF2B5EF4-FFF2-40B4-BE49-F238E27FC236}">
+                <a16:creationId xmlns:a16="http://schemas.microsoft.com/office/drawing/2014/main" id="{B9FE5D9A-7602-8390-7C47-1FD5EA02C1B7}"/>
+              </a:ext>
+            </a:extLst>
+          </p:cNvPr>
+          <p:cNvPicPr>
+            <a:picLocks noChangeAspect="1"/>
+          </p:cNvPicPr>
+          <p:nvPr/>
+        </p:nvPicPr>
+        <p:blipFill>
+          <a:blip r:embed="rId2"/>
+          <a:stretch>
+            <a:fillRect/>
+          </a:stretch>
+        </p:blipFill>
+        <p:spPr>
+          <a:xfrm>
+            <a:off x="0" y="80493"/>
+            <a:ext cx="12192000" cy="6697014"/>
+          </a:xfrm>
+          <a:prstGeom prst="rect">
+            <a:avLst/>
+          </a:prstGeom>
+        </p:spPr>
+      </p:pic>
+    </p:spTree>
+    <p:extLst>
+      <p:ext uri="{BB962C8B-B14F-4D97-AF65-F5344CB8AC3E}">
+        <p14:creationId xmlns:p14="http://schemas.microsoft.com/office/powerpoint/2010/main" val="3796722935"/>
+      </p:ext>
+    </p:extLst>
+  </p:cSld>
+  <p:clrMapOvr>
+    <a:masterClrMapping/>
+  </p:clrMapOvr>
+</p:sld>
+</file>
+
+<file path=ppt/slides/slide7.xml><?xml version="1.0" encoding="utf-8"?>
+<p:sld xmlns:a="http://schemas.openxmlformats.org/drawingml/2006/main" xmlns:r="http://schemas.openxmlformats.org/officeDocument/2006/relationships" xmlns:p="http://schemas.openxmlformats.org/presentationml/2006/main">
+  <p:cSld>
+    <p:spTree>
+      <p:nvGrpSpPr>
+        <p:cNvPr id="1" name=""/>
+        <p:cNvGrpSpPr/>
+        <p:nvPr/>
+      </p:nvGrpSpPr>
+      <p:grpSpPr>
+        <a:xfrm>
+          <a:off x="0" y="0"/>
+          <a:ext cx="0" cy="0"/>
+          <a:chOff x="0" y="0"/>
+          <a:chExt cx="0" cy="0"/>
+        </a:xfrm>
+      </p:grpSpPr>
+      <p:pic>
+        <p:nvPicPr>
+          <p:cNvPr id="2" name="图片 1">
+            <a:extLst>
+              <a:ext uri="{FF2B5EF4-FFF2-40B4-BE49-F238E27FC236}">
+                <a16:creationId xmlns:a16="http://schemas.microsoft.com/office/drawing/2014/main" id="{E1C57FD8-2E66-7C8A-6247-D43BED60603F}"/>
+              </a:ext>
+            </a:extLst>
+          </p:cNvPr>
+          <p:cNvPicPr>
+            <a:picLocks noChangeAspect="1"/>
+          </p:cNvPicPr>
+          <p:nvPr/>
+        </p:nvPicPr>
+        <p:blipFill>
+          <a:blip r:embed="rId2"/>
+          <a:stretch>
+            <a:fillRect/>
+          </a:stretch>
+        </p:blipFill>
+        <p:spPr>
+          <a:xfrm>
+            <a:off x="0" y="112285"/>
+            <a:ext cx="12192000" cy="6633430"/>
+          </a:xfrm>
+          <a:prstGeom prst="rect">
+            <a:avLst/>
+          </a:prstGeom>
+        </p:spPr>
+      </p:pic>
+    </p:spTree>
+    <p:extLst>
+      <p:ext uri="{BB962C8B-B14F-4D97-AF65-F5344CB8AC3E}">
+        <p14:creationId xmlns:p14="http://schemas.microsoft.com/office/powerpoint/2010/main" val="651079259"/>
+      </p:ext>
+    </p:extLst>
+  </p:cSld>
+  <p:clrMapOvr>
+    <a:masterClrMapping/>
+  </p:clrMapOvr>
+</p:sld>
+</file>
+
+<file path=ppt/slides/slide8.xml><?xml version="1.0" encoding="utf-8"?>
+<p:sld xmlns:a="http://schemas.openxmlformats.org/drawingml/2006/main" xmlns:r="http://schemas.openxmlformats.org/officeDocument/2006/relationships" xmlns:p="http://schemas.openxmlformats.org/presentationml/2006/main">
+  <p:cSld>
+    <p:spTree>
+      <p:nvGrpSpPr>
+        <p:cNvPr id="1" name=""/>
+        <p:cNvGrpSpPr/>
+        <p:nvPr/>
+      </p:nvGrpSpPr>
+      <p:grpSpPr>
+        <a:xfrm>
+          <a:off x="0" y="0"/>
+          <a:ext cx="0" cy="0"/>
+          <a:chOff x="0" y="0"/>
+          <a:chExt cx="0" cy="0"/>
+        </a:xfrm>
+      </p:grpSpPr>
+    </p:spTree>
+    <p:extLst>
+      <p:ext uri="{BB962C8B-B14F-4D97-AF65-F5344CB8AC3E}">
+        <p14:creationId xmlns:p14="http://schemas.microsoft.com/office/powerpoint/2010/main" val="3616933081"/>
+      </p:ext>
+    </p:extLst>
+  </p:cSld>
+  <p:clrMapOvr>
+    <a:masterClrMapping/>
+  </p:clrMapOvr>
+</p:sld>
+</file>
+
+<file path=ppt/slides/slide9.xml><?xml version="1.0" encoding="utf-8"?>
+<p:sld xmlns:a="http://schemas.openxmlformats.org/drawingml/2006/main" xmlns:r="http://schemas.openxmlformats.org/officeDocument/2006/relationships" xmlns:p="http://schemas.openxmlformats.org/presentationml/2006/main">
+  <p:cSld>
+    <p:spTree>
+      <p:nvGrpSpPr>
+        <p:cNvPr id="1" name=""/>
+        <p:cNvGrpSpPr/>
+        <p:nvPr/>
+      </p:nvGrpSpPr>
+      <p:grpSpPr>
+        <a:xfrm>
+          <a:off x="0" y="0"/>
+          <a:ext cx="0" cy="0"/>
+          <a:chOff x="0" y="0"/>
+          <a:chExt cx="0" cy="0"/>
+        </a:xfrm>
+      </p:grpSpPr>
+    </p:spTree>
+    <p:extLst>
+      <p:ext uri="{BB962C8B-B14F-4D97-AF65-F5344CB8AC3E}">
+        <p14:creationId xmlns:p14="http://schemas.microsoft.com/office/powerpoint/2010/main" val="1038913442"/>
       </p:ext>
     </p:extLst>
   </p:cSld>

--- a/3-VisualStudio2017/0-GtooPlayer/播放器原型图.pptx
+++ b/3-VisualStudio2017/0-GtooPlayer/播放器原型图.pptx
@@ -268,7 +268,7 @@
           <a:p>
             <a:fld id="{DCD161CB-D886-401C-B157-6B3BFD88563D}" type="datetimeFigureOut">
               <a:rPr lang="zh-CN" altLang="en-US" smtClean="0"/>
-              <a:t>2023/12/4</a:t>
+              <a:t>2023/12/8</a:t>
             </a:fld>
             <a:endParaRPr lang="zh-CN" altLang="en-US"/>
           </a:p>
@@ -466,7 +466,7 @@
           <a:p>
             <a:fld id="{DCD161CB-D886-401C-B157-6B3BFD88563D}" type="datetimeFigureOut">
               <a:rPr lang="zh-CN" altLang="en-US" smtClean="0"/>
-              <a:t>2023/12/4</a:t>
+              <a:t>2023/12/8</a:t>
             </a:fld>
             <a:endParaRPr lang="zh-CN" altLang="en-US"/>
           </a:p>
@@ -674,7 +674,7 @@
           <a:p>
             <a:fld id="{DCD161CB-D886-401C-B157-6B3BFD88563D}" type="datetimeFigureOut">
               <a:rPr lang="zh-CN" altLang="en-US" smtClean="0"/>
-              <a:t>2023/12/4</a:t>
+              <a:t>2023/12/8</a:t>
             </a:fld>
             <a:endParaRPr lang="zh-CN" altLang="en-US"/>
           </a:p>
@@ -872,7 +872,7 @@
           <a:p>
             <a:fld id="{DCD161CB-D886-401C-B157-6B3BFD88563D}" type="datetimeFigureOut">
               <a:rPr lang="zh-CN" altLang="en-US" smtClean="0"/>
-              <a:t>2023/12/4</a:t>
+              <a:t>2023/12/8</a:t>
             </a:fld>
             <a:endParaRPr lang="zh-CN" altLang="en-US"/>
           </a:p>
@@ -1147,7 +1147,7 @@
           <a:p>
             <a:fld id="{DCD161CB-D886-401C-B157-6B3BFD88563D}" type="datetimeFigureOut">
               <a:rPr lang="zh-CN" altLang="en-US" smtClean="0"/>
-              <a:t>2023/12/4</a:t>
+              <a:t>2023/12/8</a:t>
             </a:fld>
             <a:endParaRPr lang="zh-CN" altLang="en-US"/>
           </a:p>
@@ -1412,7 +1412,7 @@
           <a:p>
             <a:fld id="{DCD161CB-D886-401C-B157-6B3BFD88563D}" type="datetimeFigureOut">
               <a:rPr lang="zh-CN" altLang="en-US" smtClean="0"/>
-              <a:t>2023/12/4</a:t>
+              <a:t>2023/12/8</a:t>
             </a:fld>
             <a:endParaRPr lang="zh-CN" altLang="en-US"/>
           </a:p>
@@ -1824,7 +1824,7 @@
           <a:p>
             <a:fld id="{DCD161CB-D886-401C-B157-6B3BFD88563D}" type="datetimeFigureOut">
               <a:rPr lang="zh-CN" altLang="en-US" smtClean="0"/>
-              <a:t>2023/12/4</a:t>
+              <a:t>2023/12/8</a:t>
             </a:fld>
             <a:endParaRPr lang="zh-CN" altLang="en-US"/>
           </a:p>
@@ -1965,7 +1965,7 @@
           <a:p>
             <a:fld id="{DCD161CB-D886-401C-B157-6B3BFD88563D}" type="datetimeFigureOut">
               <a:rPr lang="zh-CN" altLang="en-US" smtClean="0"/>
-              <a:t>2023/12/4</a:t>
+              <a:t>2023/12/8</a:t>
             </a:fld>
             <a:endParaRPr lang="zh-CN" altLang="en-US"/>
           </a:p>
@@ -2078,7 +2078,7 @@
           <a:p>
             <a:fld id="{DCD161CB-D886-401C-B157-6B3BFD88563D}" type="datetimeFigureOut">
               <a:rPr lang="zh-CN" altLang="en-US" smtClean="0"/>
-              <a:t>2023/12/4</a:t>
+              <a:t>2023/12/8</a:t>
             </a:fld>
             <a:endParaRPr lang="zh-CN" altLang="en-US"/>
           </a:p>
@@ -2389,7 +2389,7 @@
           <a:p>
             <a:fld id="{DCD161CB-D886-401C-B157-6B3BFD88563D}" type="datetimeFigureOut">
               <a:rPr lang="zh-CN" altLang="en-US" smtClean="0"/>
-              <a:t>2023/12/4</a:t>
+              <a:t>2023/12/8</a:t>
             </a:fld>
             <a:endParaRPr lang="zh-CN" altLang="en-US"/>
           </a:p>
@@ -2677,7 +2677,7 @@
           <a:p>
             <a:fld id="{DCD161CB-D886-401C-B157-6B3BFD88563D}" type="datetimeFigureOut">
               <a:rPr lang="zh-CN" altLang="en-US" smtClean="0"/>
-              <a:t>2023/12/4</a:t>
+              <a:t>2023/12/8</a:t>
             </a:fld>
             <a:endParaRPr lang="zh-CN" altLang="en-US"/>
           </a:p>
@@ -2918,7 +2918,7 @@
           <a:p>
             <a:fld id="{DCD161CB-D886-401C-B157-6B3BFD88563D}" type="datetimeFigureOut">
               <a:rPr lang="zh-CN" altLang="en-US" smtClean="0"/>
-              <a:t>2023/12/4</a:t>
+              <a:t>2023/12/8</a:t>
             </a:fld>
             <a:endParaRPr lang="zh-CN" altLang="en-US"/>
           </a:p>
@@ -3803,6 +3803,150 @@
           <a:chExt cx="0" cy="0"/>
         </a:xfrm>
       </p:grpSpPr>
+      <p:pic>
+        <p:nvPicPr>
+          <p:cNvPr id="3" name="图片 2">
+            <a:extLst>
+              <a:ext uri="{FF2B5EF4-FFF2-40B4-BE49-F238E27FC236}">
+                <a16:creationId xmlns:a16="http://schemas.microsoft.com/office/drawing/2014/main" id="{DEC743B3-80C7-843E-1298-523B18A52C4E}"/>
+              </a:ext>
+            </a:extLst>
+          </p:cNvPr>
+          <p:cNvPicPr>
+            <a:picLocks noChangeAspect="1"/>
+          </p:cNvPicPr>
+          <p:nvPr/>
+        </p:nvPicPr>
+        <p:blipFill>
+          <a:blip r:embed="rId2">
+            <a:extLst>
+              <a:ext uri="{28A0092B-C50C-407E-A947-70E740481C1C}">
+                <a14:useLocalDpi xmlns:a14="http://schemas.microsoft.com/office/drawing/2010/main" val="0"/>
+              </a:ext>
+            </a:extLst>
+          </a:blip>
+          <a:stretch>
+            <a:fillRect/>
+          </a:stretch>
+        </p:blipFill>
+        <p:spPr>
+          <a:xfrm>
+            <a:off x="1993587" y="323765"/>
+            <a:ext cx="3505504" cy="2659610"/>
+          </a:xfrm>
+          <a:prstGeom prst="rect">
+            <a:avLst/>
+          </a:prstGeom>
+        </p:spPr>
+      </p:pic>
+      <p:pic>
+        <p:nvPicPr>
+          <p:cNvPr id="5" name="图片 4">
+            <a:extLst>
+              <a:ext uri="{FF2B5EF4-FFF2-40B4-BE49-F238E27FC236}">
+                <a16:creationId xmlns:a16="http://schemas.microsoft.com/office/drawing/2014/main" id="{0F0EC4DC-F700-CDE0-54AC-38EBCF91A8F8}"/>
+              </a:ext>
+            </a:extLst>
+          </p:cNvPr>
+          <p:cNvPicPr>
+            <a:picLocks noChangeAspect="1"/>
+          </p:cNvPicPr>
+          <p:nvPr/>
+        </p:nvPicPr>
+        <p:blipFill>
+          <a:blip r:embed="rId3">
+            <a:extLst>
+              <a:ext uri="{28A0092B-C50C-407E-A947-70E740481C1C}">
+                <a14:useLocalDpi xmlns:a14="http://schemas.microsoft.com/office/drawing/2010/main" val="0"/>
+              </a:ext>
+            </a:extLst>
+          </a:blip>
+          <a:stretch>
+            <a:fillRect/>
+          </a:stretch>
+        </p:blipFill>
+        <p:spPr>
+          <a:xfrm>
+            <a:off x="6692909" y="323765"/>
+            <a:ext cx="3505504" cy="2659610"/>
+          </a:xfrm>
+          <a:prstGeom prst="rect">
+            <a:avLst/>
+          </a:prstGeom>
+        </p:spPr>
+      </p:pic>
+      <p:pic>
+        <p:nvPicPr>
+          <p:cNvPr id="7" name="图片 6">
+            <a:extLst>
+              <a:ext uri="{FF2B5EF4-FFF2-40B4-BE49-F238E27FC236}">
+                <a16:creationId xmlns:a16="http://schemas.microsoft.com/office/drawing/2014/main" id="{DE977E1B-9C64-E28F-D346-669E47AAFAD3}"/>
+              </a:ext>
+            </a:extLst>
+          </p:cNvPr>
+          <p:cNvPicPr>
+            <a:picLocks noChangeAspect="1"/>
+          </p:cNvPicPr>
+          <p:nvPr/>
+        </p:nvPicPr>
+        <p:blipFill>
+          <a:blip r:embed="rId4">
+            <a:extLst>
+              <a:ext uri="{28A0092B-C50C-407E-A947-70E740481C1C}">
+                <a14:useLocalDpi xmlns:a14="http://schemas.microsoft.com/office/drawing/2010/main" val="0"/>
+              </a:ext>
+            </a:extLst>
+          </a:blip>
+          <a:stretch>
+            <a:fillRect/>
+          </a:stretch>
+        </p:blipFill>
+        <p:spPr>
+          <a:xfrm>
+            <a:off x="1993587" y="3812248"/>
+            <a:ext cx="3505504" cy="2659610"/>
+          </a:xfrm>
+          <a:prstGeom prst="rect">
+            <a:avLst/>
+          </a:prstGeom>
+        </p:spPr>
+      </p:pic>
+      <p:pic>
+        <p:nvPicPr>
+          <p:cNvPr id="9" name="图片 8">
+            <a:extLst>
+              <a:ext uri="{FF2B5EF4-FFF2-40B4-BE49-F238E27FC236}">
+                <a16:creationId xmlns:a16="http://schemas.microsoft.com/office/drawing/2014/main" id="{43998927-3E11-7EC0-325E-89CDDA083379}"/>
+              </a:ext>
+            </a:extLst>
+          </p:cNvPr>
+          <p:cNvPicPr>
+            <a:picLocks noChangeAspect="1"/>
+          </p:cNvPicPr>
+          <p:nvPr/>
+        </p:nvPicPr>
+        <p:blipFill>
+          <a:blip r:embed="rId5">
+            <a:extLst>
+              <a:ext uri="{28A0092B-C50C-407E-A947-70E740481C1C}">
+                <a14:useLocalDpi xmlns:a14="http://schemas.microsoft.com/office/drawing/2010/main" val="0"/>
+              </a:ext>
+            </a:extLst>
+          </a:blip>
+          <a:stretch>
+            <a:fillRect/>
+          </a:stretch>
+        </p:blipFill>
+        <p:spPr>
+          <a:xfrm>
+            <a:off x="6692909" y="3812248"/>
+            <a:ext cx="3505504" cy="2659610"/>
+          </a:xfrm>
+          <a:prstGeom prst="rect">
+            <a:avLst/>
+          </a:prstGeom>
+        </p:spPr>
+      </p:pic>
     </p:spTree>
     <p:extLst>
       <p:ext uri="{BB962C8B-B14F-4D97-AF65-F5344CB8AC3E}">
